--- a/a/New CFE logo final long.pptx
+++ b/a/New CFE logo final long.pptx
@@ -5,9 +5,10 @@
     <p:sldMasterId id="2147483648" r:id="rId1"/>
   </p:sldMasterIdLst>
   <p:sldIdLst>
-    <p:sldId id="256" r:id="rId2"/>
-    <p:sldId id="257" r:id="rId3"/>
-    <p:sldId id="258" r:id="rId4"/>
+    <p:sldId id="259" r:id="rId2"/>
+    <p:sldId id="256" r:id="rId3"/>
+    <p:sldId id="257" r:id="rId4"/>
+    <p:sldId id="258" r:id="rId5"/>
   </p:sldIdLst>
   <p:sldSz cx="27432000" cy="6858000"/>
   <p:notesSz cx="6858000" cy="9144000"/>
@@ -106,6 +107,22 @@
       </a:defRPr>
     </a:lvl9pPr>
   </p:defaultTextStyle>
+  <p:extLst>
+    <p:ext uri="{EFAFB233-063F-42B5-8137-9DF3F51BA10A}">
+      <p15:sldGuideLst xmlns:p15="http://schemas.microsoft.com/office/powerpoint/2012/main">
+        <p15:guide id="1" orient="horz" pos="2160">
+          <p15:clr>
+            <a:srgbClr val="A4A3A4"/>
+          </p15:clr>
+        </p15:guide>
+        <p15:guide id="2" pos="8640">
+          <p15:clr>
+            <a:srgbClr val="A4A3A4"/>
+          </p15:clr>
+        </p15:guide>
+      </p15:sldGuideLst>
+    </p:ext>
+  </p:extLst>
 </p:presentation>
 </file>
 
@@ -147,10 +164,9 @@
           <a:lstStyle/>
           <a:p>
             <a:r>
-              <a:rPr lang="ru-RU" smtClean="0"/>
+              <a:rPr lang="ru-RU"/>
               <a:t>Образец заголовка</a:t>
             </a:r>
-            <a:endParaRPr lang="ru-RU"/>
           </a:p>
         </p:txBody>
       </p:sp>
@@ -266,10 +282,9 @@
           </a:lstStyle>
           <a:p>
             <a:r>
-              <a:rPr lang="ru-RU" smtClean="0"/>
+              <a:rPr lang="ru-RU"/>
               <a:t>Образец подзаголовка</a:t>
             </a:r>
-            <a:endParaRPr lang="ru-RU"/>
           </a:p>
         </p:txBody>
       </p:sp>
@@ -290,7 +305,7 @@
           <a:p>
             <a:fld id="{DD72279B-67D5-48A9-B319-AD0740CF3773}" type="datetimeFigureOut">
               <a:rPr lang="ru-RU" smtClean="0"/>
-              <a:t>04.07.2024</a:t>
+              <a:t>28.12.2025</a:t>
             </a:fld>
             <a:endParaRPr lang="ru-RU"/>
           </a:p>
@@ -384,10 +399,9 @@
           <a:lstStyle/>
           <a:p>
             <a:r>
-              <a:rPr lang="ru-RU" smtClean="0"/>
+              <a:rPr lang="ru-RU"/>
               <a:t>Образец заголовка</a:t>
             </a:r>
-            <a:endParaRPr lang="ru-RU"/>
           </a:p>
         </p:txBody>
       </p:sp>
@@ -408,38 +422,37 @@
           <a:p>
             <a:pPr lvl="0"/>
             <a:r>
-              <a:rPr lang="ru-RU" smtClean="0"/>
+              <a:rPr lang="ru-RU"/>
               <a:t>Образец текста</a:t>
             </a:r>
           </a:p>
           <a:p>
             <a:pPr lvl="1"/>
             <a:r>
-              <a:rPr lang="ru-RU" smtClean="0"/>
+              <a:rPr lang="ru-RU"/>
               <a:t>Второй уровень</a:t>
             </a:r>
           </a:p>
           <a:p>
             <a:pPr lvl="2"/>
             <a:r>
-              <a:rPr lang="ru-RU" smtClean="0"/>
+              <a:rPr lang="ru-RU"/>
               <a:t>Третий уровень</a:t>
             </a:r>
           </a:p>
           <a:p>
             <a:pPr lvl="3"/>
             <a:r>
-              <a:rPr lang="ru-RU" smtClean="0"/>
+              <a:rPr lang="ru-RU"/>
               <a:t>Четвертый уровень</a:t>
             </a:r>
           </a:p>
           <a:p>
             <a:pPr lvl="4"/>
             <a:r>
-              <a:rPr lang="ru-RU" smtClean="0"/>
+              <a:rPr lang="ru-RU"/>
               <a:t>Пятый уровень</a:t>
             </a:r>
-            <a:endParaRPr lang="ru-RU"/>
           </a:p>
         </p:txBody>
       </p:sp>
@@ -460,7 +473,7 @@
           <a:p>
             <a:fld id="{DD72279B-67D5-48A9-B319-AD0740CF3773}" type="datetimeFigureOut">
               <a:rPr lang="ru-RU" smtClean="0"/>
-              <a:t>04.07.2024</a:t>
+              <a:t>28.12.2025</a:t>
             </a:fld>
             <a:endParaRPr lang="ru-RU"/>
           </a:p>
@@ -559,10 +572,9 @@
           <a:lstStyle/>
           <a:p>
             <a:r>
-              <a:rPr lang="ru-RU" smtClean="0"/>
+              <a:rPr lang="ru-RU"/>
               <a:t>Образец заголовка</a:t>
             </a:r>
-            <a:endParaRPr lang="ru-RU"/>
           </a:p>
         </p:txBody>
       </p:sp>
@@ -588,38 +600,37 @@
           <a:p>
             <a:pPr lvl="0"/>
             <a:r>
-              <a:rPr lang="ru-RU" smtClean="0"/>
+              <a:rPr lang="ru-RU"/>
               <a:t>Образец текста</a:t>
             </a:r>
           </a:p>
           <a:p>
             <a:pPr lvl="1"/>
             <a:r>
-              <a:rPr lang="ru-RU" smtClean="0"/>
+              <a:rPr lang="ru-RU"/>
               <a:t>Второй уровень</a:t>
             </a:r>
           </a:p>
           <a:p>
             <a:pPr lvl="2"/>
             <a:r>
-              <a:rPr lang="ru-RU" smtClean="0"/>
+              <a:rPr lang="ru-RU"/>
               <a:t>Третий уровень</a:t>
             </a:r>
           </a:p>
           <a:p>
             <a:pPr lvl="3"/>
             <a:r>
-              <a:rPr lang="ru-RU" smtClean="0"/>
+              <a:rPr lang="ru-RU"/>
               <a:t>Четвертый уровень</a:t>
             </a:r>
           </a:p>
           <a:p>
             <a:pPr lvl="4"/>
             <a:r>
-              <a:rPr lang="ru-RU" smtClean="0"/>
+              <a:rPr lang="ru-RU"/>
               <a:t>Пятый уровень</a:t>
             </a:r>
-            <a:endParaRPr lang="ru-RU"/>
           </a:p>
         </p:txBody>
       </p:sp>
@@ -640,7 +651,7 @@
           <a:p>
             <a:fld id="{DD72279B-67D5-48A9-B319-AD0740CF3773}" type="datetimeFigureOut">
               <a:rPr lang="ru-RU" smtClean="0"/>
-              <a:t>04.07.2024</a:t>
+              <a:t>28.12.2025</a:t>
             </a:fld>
             <a:endParaRPr lang="ru-RU"/>
           </a:p>
@@ -734,10 +745,9 @@
           <a:lstStyle/>
           <a:p>
             <a:r>
-              <a:rPr lang="ru-RU" smtClean="0"/>
+              <a:rPr lang="ru-RU"/>
               <a:t>Образец заголовка</a:t>
             </a:r>
-            <a:endParaRPr lang="ru-RU"/>
           </a:p>
         </p:txBody>
       </p:sp>
@@ -758,38 +768,37 @@
           <a:p>
             <a:pPr lvl="0"/>
             <a:r>
-              <a:rPr lang="ru-RU" smtClean="0"/>
+              <a:rPr lang="ru-RU"/>
               <a:t>Образец текста</a:t>
             </a:r>
           </a:p>
           <a:p>
             <a:pPr lvl="1"/>
             <a:r>
-              <a:rPr lang="ru-RU" smtClean="0"/>
+              <a:rPr lang="ru-RU"/>
               <a:t>Второй уровень</a:t>
             </a:r>
           </a:p>
           <a:p>
             <a:pPr lvl="2"/>
             <a:r>
-              <a:rPr lang="ru-RU" smtClean="0"/>
+              <a:rPr lang="ru-RU"/>
               <a:t>Третий уровень</a:t>
             </a:r>
           </a:p>
           <a:p>
             <a:pPr lvl="3"/>
             <a:r>
-              <a:rPr lang="ru-RU" smtClean="0"/>
+              <a:rPr lang="ru-RU"/>
               <a:t>Четвертый уровень</a:t>
             </a:r>
           </a:p>
           <a:p>
             <a:pPr lvl="4"/>
             <a:r>
-              <a:rPr lang="ru-RU" smtClean="0"/>
+              <a:rPr lang="ru-RU"/>
               <a:t>Пятый уровень</a:t>
             </a:r>
-            <a:endParaRPr lang="ru-RU"/>
           </a:p>
         </p:txBody>
       </p:sp>
@@ -810,7 +819,7 @@
           <a:p>
             <a:fld id="{DD72279B-67D5-48A9-B319-AD0740CF3773}" type="datetimeFigureOut">
               <a:rPr lang="ru-RU" smtClean="0"/>
-              <a:t>04.07.2024</a:t>
+              <a:t>28.12.2025</a:t>
             </a:fld>
             <a:endParaRPr lang="ru-RU"/>
           </a:p>
@@ -913,10 +922,9 @@
           </a:lstStyle>
           <a:p>
             <a:r>
-              <a:rPr lang="ru-RU" smtClean="0"/>
+              <a:rPr lang="ru-RU"/>
               <a:t>Образец заголовка</a:t>
             </a:r>
-            <a:endParaRPr lang="ru-RU"/>
           </a:p>
         </p:txBody>
       </p:sp>
@@ -1033,7 +1041,7 @@
           <a:p>
             <a:pPr lvl="0"/>
             <a:r>
-              <a:rPr lang="ru-RU" smtClean="0"/>
+              <a:rPr lang="ru-RU"/>
               <a:t>Образец текста</a:t>
             </a:r>
           </a:p>
@@ -1056,7 +1064,7 @@
           <a:p>
             <a:fld id="{DD72279B-67D5-48A9-B319-AD0740CF3773}" type="datetimeFigureOut">
               <a:rPr lang="ru-RU" smtClean="0"/>
-              <a:t>04.07.2024</a:t>
+              <a:t>28.12.2025</a:t>
             </a:fld>
             <a:endParaRPr lang="ru-RU"/>
           </a:p>
@@ -1150,10 +1158,9 @@
           <a:lstStyle/>
           <a:p>
             <a:r>
-              <a:rPr lang="ru-RU" smtClean="0"/>
+              <a:rPr lang="ru-RU"/>
               <a:t>Образец заголовка</a:t>
             </a:r>
-            <a:endParaRPr lang="ru-RU"/>
           </a:p>
         </p:txBody>
       </p:sp>
@@ -1207,38 +1214,37 @@
           <a:p>
             <a:pPr lvl="0"/>
             <a:r>
-              <a:rPr lang="ru-RU" smtClean="0"/>
+              <a:rPr lang="ru-RU"/>
               <a:t>Образец текста</a:t>
             </a:r>
           </a:p>
           <a:p>
             <a:pPr lvl="1"/>
             <a:r>
-              <a:rPr lang="ru-RU" smtClean="0"/>
+              <a:rPr lang="ru-RU"/>
               <a:t>Второй уровень</a:t>
             </a:r>
           </a:p>
           <a:p>
             <a:pPr lvl="2"/>
             <a:r>
-              <a:rPr lang="ru-RU" smtClean="0"/>
+              <a:rPr lang="ru-RU"/>
               <a:t>Третий уровень</a:t>
             </a:r>
           </a:p>
           <a:p>
             <a:pPr lvl="3"/>
             <a:r>
-              <a:rPr lang="ru-RU" smtClean="0"/>
+              <a:rPr lang="ru-RU"/>
               <a:t>Четвертый уровень</a:t>
             </a:r>
           </a:p>
           <a:p>
             <a:pPr lvl="4"/>
             <a:r>
-              <a:rPr lang="ru-RU" smtClean="0"/>
+              <a:rPr lang="ru-RU"/>
               <a:t>Пятый уровень</a:t>
             </a:r>
-            <a:endParaRPr lang="ru-RU"/>
           </a:p>
         </p:txBody>
       </p:sp>
@@ -1292,38 +1298,37 @@
           <a:p>
             <a:pPr lvl="0"/>
             <a:r>
-              <a:rPr lang="ru-RU" smtClean="0"/>
+              <a:rPr lang="ru-RU"/>
               <a:t>Образец текста</a:t>
             </a:r>
           </a:p>
           <a:p>
             <a:pPr lvl="1"/>
             <a:r>
-              <a:rPr lang="ru-RU" smtClean="0"/>
+              <a:rPr lang="ru-RU"/>
               <a:t>Второй уровень</a:t>
             </a:r>
           </a:p>
           <a:p>
             <a:pPr lvl="2"/>
             <a:r>
-              <a:rPr lang="ru-RU" smtClean="0"/>
+              <a:rPr lang="ru-RU"/>
               <a:t>Третий уровень</a:t>
             </a:r>
           </a:p>
           <a:p>
             <a:pPr lvl="3"/>
             <a:r>
-              <a:rPr lang="ru-RU" smtClean="0"/>
+              <a:rPr lang="ru-RU"/>
               <a:t>Четвертый уровень</a:t>
             </a:r>
           </a:p>
           <a:p>
             <a:pPr lvl="4"/>
             <a:r>
-              <a:rPr lang="ru-RU" smtClean="0"/>
+              <a:rPr lang="ru-RU"/>
               <a:t>Пятый уровень</a:t>
             </a:r>
-            <a:endParaRPr lang="ru-RU"/>
           </a:p>
         </p:txBody>
       </p:sp>
@@ -1344,7 +1349,7 @@
           <a:p>
             <a:fld id="{DD72279B-67D5-48A9-B319-AD0740CF3773}" type="datetimeFigureOut">
               <a:rPr lang="ru-RU" smtClean="0"/>
-              <a:t>04.07.2024</a:t>
+              <a:t>28.12.2025</a:t>
             </a:fld>
             <a:endParaRPr lang="ru-RU"/>
           </a:p>
@@ -1442,10 +1447,9 @@
           </a:lstStyle>
           <a:p>
             <a:r>
-              <a:rPr lang="ru-RU" smtClean="0"/>
+              <a:rPr lang="ru-RU"/>
               <a:t>Образец заголовка</a:t>
             </a:r>
-            <a:endParaRPr lang="ru-RU"/>
           </a:p>
         </p:txBody>
       </p:sp>
@@ -1508,7 +1512,7 @@
           <a:p>
             <a:pPr lvl="0"/>
             <a:r>
-              <a:rPr lang="ru-RU" smtClean="0"/>
+              <a:rPr lang="ru-RU"/>
               <a:t>Образец текста</a:t>
             </a:r>
           </a:p>
@@ -1564,38 +1568,37 @@
           <a:p>
             <a:pPr lvl="0"/>
             <a:r>
-              <a:rPr lang="ru-RU" smtClean="0"/>
+              <a:rPr lang="ru-RU"/>
               <a:t>Образец текста</a:t>
             </a:r>
           </a:p>
           <a:p>
             <a:pPr lvl="1"/>
             <a:r>
-              <a:rPr lang="ru-RU" smtClean="0"/>
+              <a:rPr lang="ru-RU"/>
               <a:t>Второй уровень</a:t>
             </a:r>
           </a:p>
           <a:p>
             <a:pPr lvl="2"/>
             <a:r>
-              <a:rPr lang="ru-RU" smtClean="0"/>
+              <a:rPr lang="ru-RU"/>
               <a:t>Третий уровень</a:t>
             </a:r>
           </a:p>
           <a:p>
             <a:pPr lvl="3"/>
             <a:r>
-              <a:rPr lang="ru-RU" smtClean="0"/>
+              <a:rPr lang="ru-RU"/>
               <a:t>Четвертый уровень</a:t>
             </a:r>
           </a:p>
           <a:p>
             <a:pPr lvl="4"/>
             <a:r>
-              <a:rPr lang="ru-RU" smtClean="0"/>
+              <a:rPr lang="ru-RU"/>
               <a:t>Пятый уровень</a:t>
             </a:r>
-            <a:endParaRPr lang="ru-RU"/>
           </a:p>
         </p:txBody>
       </p:sp>
@@ -1658,7 +1661,7 @@
           <a:p>
             <a:pPr lvl="0"/>
             <a:r>
-              <a:rPr lang="ru-RU" smtClean="0"/>
+              <a:rPr lang="ru-RU"/>
               <a:t>Образец текста</a:t>
             </a:r>
           </a:p>
@@ -1714,38 +1717,37 @@
           <a:p>
             <a:pPr lvl="0"/>
             <a:r>
-              <a:rPr lang="ru-RU" smtClean="0"/>
+              <a:rPr lang="ru-RU"/>
               <a:t>Образец текста</a:t>
             </a:r>
           </a:p>
           <a:p>
             <a:pPr lvl="1"/>
             <a:r>
-              <a:rPr lang="ru-RU" smtClean="0"/>
+              <a:rPr lang="ru-RU"/>
               <a:t>Второй уровень</a:t>
             </a:r>
           </a:p>
           <a:p>
             <a:pPr lvl="2"/>
             <a:r>
-              <a:rPr lang="ru-RU" smtClean="0"/>
+              <a:rPr lang="ru-RU"/>
               <a:t>Третий уровень</a:t>
             </a:r>
           </a:p>
           <a:p>
             <a:pPr lvl="3"/>
             <a:r>
-              <a:rPr lang="ru-RU" smtClean="0"/>
+              <a:rPr lang="ru-RU"/>
               <a:t>Четвертый уровень</a:t>
             </a:r>
           </a:p>
           <a:p>
             <a:pPr lvl="4"/>
             <a:r>
-              <a:rPr lang="ru-RU" smtClean="0"/>
+              <a:rPr lang="ru-RU"/>
               <a:t>Пятый уровень</a:t>
             </a:r>
-            <a:endParaRPr lang="ru-RU"/>
           </a:p>
         </p:txBody>
       </p:sp>
@@ -1766,7 +1768,7 @@
           <a:p>
             <a:fld id="{DD72279B-67D5-48A9-B319-AD0740CF3773}" type="datetimeFigureOut">
               <a:rPr lang="ru-RU" smtClean="0"/>
-              <a:t>04.07.2024</a:t>
+              <a:t>28.12.2025</a:t>
             </a:fld>
             <a:endParaRPr lang="ru-RU"/>
           </a:p>
@@ -1860,10 +1862,9 @@
           <a:lstStyle/>
           <a:p>
             <a:r>
-              <a:rPr lang="ru-RU" smtClean="0"/>
+              <a:rPr lang="ru-RU"/>
               <a:t>Образец заголовка</a:t>
             </a:r>
-            <a:endParaRPr lang="ru-RU"/>
           </a:p>
         </p:txBody>
       </p:sp>
@@ -1884,7 +1885,7 @@
           <a:p>
             <a:fld id="{DD72279B-67D5-48A9-B319-AD0740CF3773}" type="datetimeFigureOut">
               <a:rPr lang="ru-RU" smtClean="0"/>
-              <a:t>04.07.2024</a:t>
+              <a:t>28.12.2025</a:t>
             </a:fld>
             <a:endParaRPr lang="ru-RU"/>
           </a:p>
@@ -1979,7 +1980,7 @@
           <a:p>
             <a:fld id="{DD72279B-67D5-48A9-B319-AD0740CF3773}" type="datetimeFigureOut">
               <a:rPr lang="ru-RU" smtClean="0"/>
-              <a:t>04.07.2024</a:t>
+              <a:t>28.12.2025</a:t>
             </a:fld>
             <a:endParaRPr lang="ru-RU"/>
           </a:p>
@@ -2082,10 +2083,9 @@
           </a:lstStyle>
           <a:p>
             <a:r>
-              <a:rPr lang="ru-RU" smtClean="0"/>
+              <a:rPr lang="ru-RU"/>
               <a:t>Образец заголовка</a:t>
             </a:r>
-            <a:endParaRPr lang="ru-RU"/>
           </a:p>
         </p:txBody>
       </p:sp>
@@ -2139,38 +2139,37 @@
           <a:p>
             <a:pPr lvl="0"/>
             <a:r>
-              <a:rPr lang="ru-RU" smtClean="0"/>
+              <a:rPr lang="ru-RU"/>
               <a:t>Образец текста</a:t>
             </a:r>
           </a:p>
           <a:p>
             <a:pPr lvl="1"/>
             <a:r>
-              <a:rPr lang="ru-RU" smtClean="0"/>
+              <a:rPr lang="ru-RU"/>
               <a:t>Второй уровень</a:t>
             </a:r>
           </a:p>
           <a:p>
             <a:pPr lvl="2"/>
             <a:r>
-              <a:rPr lang="ru-RU" smtClean="0"/>
+              <a:rPr lang="ru-RU"/>
               <a:t>Третий уровень</a:t>
             </a:r>
           </a:p>
           <a:p>
             <a:pPr lvl="3"/>
             <a:r>
-              <a:rPr lang="ru-RU" smtClean="0"/>
+              <a:rPr lang="ru-RU"/>
               <a:t>Четвертый уровень</a:t>
             </a:r>
           </a:p>
           <a:p>
             <a:pPr lvl="4"/>
             <a:r>
-              <a:rPr lang="ru-RU" smtClean="0"/>
+              <a:rPr lang="ru-RU"/>
               <a:t>Пятый уровень</a:t>
             </a:r>
-            <a:endParaRPr lang="ru-RU"/>
           </a:p>
         </p:txBody>
       </p:sp>
@@ -2233,7 +2232,7 @@
           <a:p>
             <a:pPr lvl="0"/>
             <a:r>
-              <a:rPr lang="ru-RU" smtClean="0"/>
+              <a:rPr lang="ru-RU"/>
               <a:t>Образец текста</a:t>
             </a:r>
           </a:p>
@@ -2256,7 +2255,7 @@
           <a:p>
             <a:fld id="{DD72279B-67D5-48A9-B319-AD0740CF3773}" type="datetimeFigureOut">
               <a:rPr lang="ru-RU" smtClean="0"/>
-              <a:t>04.07.2024</a:t>
+              <a:t>28.12.2025</a:t>
             </a:fld>
             <a:endParaRPr lang="ru-RU"/>
           </a:p>
@@ -2359,10 +2358,9 @@
           </a:lstStyle>
           <a:p>
             <a:r>
-              <a:rPr lang="ru-RU" smtClean="0"/>
+              <a:rPr lang="ru-RU"/>
               <a:t>Образец заголовка</a:t>
             </a:r>
-            <a:endParaRPr lang="ru-RU"/>
           </a:p>
         </p:txBody>
       </p:sp>
@@ -2486,7 +2484,7 @@
           <a:p>
             <a:pPr lvl="0"/>
             <a:r>
-              <a:rPr lang="ru-RU" smtClean="0"/>
+              <a:rPr lang="ru-RU"/>
               <a:t>Образец текста</a:t>
             </a:r>
           </a:p>
@@ -2509,7 +2507,7 @@
           <a:p>
             <a:fld id="{DD72279B-67D5-48A9-B319-AD0740CF3773}" type="datetimeFigureOut">
               <a:rPr lang="ru-RU" smtClean="0"/>
-              <a:t>04.07.2024</a:t>
+              <a:t>28.12.2025</a:t>
             </a:fld>
             <a:endParaRPr lang="ru-RU"/>
           </a:p>
@@ -2618,10 +2616,9 @@
           <a:lstStyle/>
           <a:p>
             <a:r>
-              <a:rPr lang="ru-RU" smtClean="0"/>
+              <a:rPr lang="ru-RU"/>
               <a:t>Образец заголовка</a:t>
             </a:r>
-            <a:endParaRPr lang="ru-RU"/>
           </a:p>
         </p:txBody>
       </p:sp>
@@ -2652,38 +2649,37 @@
           <a:p>
             <a:pPr lvl="0"/>
             <a:r>
-              <a:rPr lang="ru-RU" smtClean="0"/>
+              <a:rPr lang="ru-RU"/>
               <a:t>Образец текста</a:t>
             </a:r>
           </a:p>
           <a:p>
             <a:pPr lvl="1"/>
             <a:r>
-              <a:rPr lang="ru-RU" smtClean="0"/>
+              <a:rPr lang="ru-RU"/>
               <a:t>Второй уровень</a:t>
             </a:r>
           </a:p>
           <a:p>
             <a:pPr lvl="2"/>
             <a:r>
-              <a:rPr lang="ru-RU" smtClean="0"/>
+              <a:rPr lang="ru-RU"/>
               <a:t>Третий уровень</a:t>
             </a:r>
           </a:p>
           <a:p>
             <a:pPr lvl="3"/>
             <a:r>
-              <a:rPr lang="ru-RU" smtClean="0"/>
+              <a:rPr lang="ru-RU"/>
               <a:t>Четвертый уровень</a:t>
             </a:r>
           </a:p>
           <a:p>
             <a:pPr lvl="4"/>
             <a:r>
-              <a:rPr lang="ru-RU" smtClean="0"/>
+              <a:rPr lang="ru-RU"/>
               <a:t>Пятый уровень</a:t>
             </a:r>
-            <a:endParaRPr lang="ru-RU"/>
           </a:p>
         </p:txBody>
       </p:sp>
@@ -2722,7 +2718,7 @@
           <a:p>
             <a:fld id="{DD72279B-67D5-48A9-B319-AD0740CF3773}" type="datetimeFigureOut">
               <a:rPr lang="ru-RU" smtClean="0"/>
-              <a:t>04.07.2024</a:t>
+              <a:t>28.12.2025</a:t>
             </a:fld>
             <a:endParaRPr lang="ru-RU"/>
           </a:p>
@@ -3097,428 +3093,88 @@
           <a:chExt cx="0" cy="0"/>
         </a:xfrm>
       </p:grpSpPr>
-      <p:grpSp>
-        <p:nvGrpSpPr>
-          <p:cNvPr id="5" name="Группа 4"/>
-          <p:cNvGrpSpPr/>
+      <p:pic>
+        <p:nvPicPr>
+          <p:cNvPr id="5" name="Picture 4" descr="A blue and white logo&#10;&#10;AI-generated content may be incorrect.">
+            <a:extLst>
+              <a:ext uri="{FF2B5EF4-FFF2-40B4-BE49-F238E27FC236}">
+                <a16:creationId xmlns:a16="http://schemas.microsoft.com/office/drawing/2014/main" id="{AB9639E7-C6C9-3322-F432-A25CD54684D2}"/>
+              </a:ext>
+            </a:extLst>
+          </p:cNvPr>
+          <p:cNvPicPr>
+            <a:picLocks noChangeAspect="1"/>
+          </p:cNvPicPr>
           <p:nvPr/>
-        </p:nvGrpSpPr>
-        <p:grpSpPr>
-          <a:xfrm>
-            <a:off x="209449" y="990600"/>
-            <a:ext cx="4267200" cy="4881881"/>
-            <a:chOff x="1638300" y="838199"/>
-            <a:chExt cx="4267200" cy="4881881"/>
-          </a:xfrm>
-        </p:grpSpPr>
-        <p:sp>
-          <p:nvSpPr>
-            <p:cNvPr id="9" name="Пятиугольник 8"/>
-            <p:cNvSpPr/>
-            <p:nvPr/>
-          </p:nvSpPr>
-          <p:spPr>
-            <a:xfrm>
-              <a:off x="1670050" y="2514600"/>
-              <a:ext cx="2120900" cy="1520305"/>
-            </a:xfrm>
-            <a:prstGeom prst="homePlate">
-              <a:avLst>
-                <a:gd name="adj" fmla="val 44607"/>
-              </a:avLst>
-            </a:prstGeom>
-            <a:gradFill>
-              <a:gsLst>
-                <a:gs pos="39000">
-                  <a:srgbClr val="82A0FA"/>
-                </a:gs>
-                <a:gs pos="0">
-                  <a:srgbClr val="C8DFFA"/>
-                </a:gs>
-                <a:gs pos="100000">
-                  <a:srgbClr val="2446C8"/>
-                </a:gs>
-              </a:gsLst>
-              <a:lin ang="2700000" scaled="0"/>
-            </a:gradFill>
-            <a:ln>
-              <a:noFill/>
-            </a:ln>
-          </p:spPr>
-          <p:style>
-            <a:lnRef idx="2">
-              <a:schemeClr val="accent1">
-                <a:shade val="50000"/>
-              </a:schemeClr>
-            </a:lnRef>
-            <a:fillRef idx="1">
-              <a:schemeClr val="accent1"/>
-            </a:fillRef>
-            <a:effectRef idx="0">
-              <a:schemeClr val="accent1"/>
-            </a:effectRef>
-            <a:fontRef idx="minor">
-              <a:schemeClr val="lt1"/>
-            </a:fontRef>
-          </p:style>
-          <p:txBody>
-            <a:bodyPr rtlCol="0" anchor="ctr"/>
-            <a:lstStyle/>
-            <a:p>
-              <a:pPr algn="ctr"/>
-              <a:endParaRPr lang="ru-RU"/>
-            </a:p>
-          </p:txBody>
-        </p:sp>
-        <p:sp>
-          <p:nvSpPr>
-            <p:cNvPr id="10" name="Трапеция 9"/>
-            <p:cNvSpPr/>
-            <p:nvPr/>
-          </p:nvSpPr>
-          <p:spPr>
-            <a:xfrm rot="10800000">
-              <a:off x="1638300" y="838199"/>
-              <a:ext cx="4191000" cy="1447801"/>
-            </a:xfrm>
-            <a:prstGeom prst="trapezoid">
-              <a:avLst>
-                <a:gd name="adj" fmla="val 82332"/>
-              </a:avLst>
-            </a:prstGeom>
-            <a:gradFill>
-              <a:gsLst>
-                <a:gs pos="38000">
-                  <a:srgbClr val="82A0FA"/>
-                </a:gs>
-                <a:gs pos="0">
-                  <a:srgbClr val="C8DFFA"/>
-                </a:gs>
-                <a:gs pos="100000">
-                  <a:srgbClr val="2446C8"/>
-                </a:gs>
-              </a:gsLst>
-              <a:lin ang="2700000" scaled="0"/>
-            </a:gradFill>
-            <a:ln>
-              <a:noFill/>
-            </a:ln>
-          </p:spPr>
-          <p:style>
-            <a:lnRef idx="2">
-              <a:schemeClr val="accent1">
-                <a:shade val="50000"/>
-              </a:schemeClr>
-            </a:lnRef>
-            <a:fillRef idx="1">
-              <a:schemeClr val="accent1"/>
-            </a:fillRef>
-            <a:effectRef idx="0">
-              <a:schemeClr val="accent1"/>
-            </a:effectRef>
-            <a:fontRef idx="minor">
-              <a:schemeClr val="lt1"/>
-            </a:fontRef>
-          </p:style>
-          <p:txBody>
-            <a:bodyPr rtlCol="0" anchor="ctr"/>
-            <a:lstStyle/>
-            <a:p>
-              <a:pPr algn="ctr"/>
-              <a:endParaRPr lang="ru-RU"/>
-            </a:p>
-          </p:txBody>
-        </p:sp>
-        <p:sp>
-          <p:nvSpPr>
-            <p:cNvPr id="11" name="Трапеция 10"/>
-            <p:cNvSpPr/>
-            <p:nvPr/>
-          </p:nvSpPr>
-          <p:spPr>
-            <a:xfrm>
-              <a:off x="1714500" y="4263505"/>
-              <a:ext cx="4191000" cy="1456575"/>
-            </a:xfrm>
-            <a:prstGeom prst="trapezoid">
-              <a:avLst>
-                <a:gd name="adj" fmla="val 84947"/>
-              </a:avLst>
-            </a:prstGeom>
-            <a:gradFill>
-              <a:gsLst>
-                <a:gs pos="69000">
-                  <a:srgbClr val="82A0FA"/>
-                </a:gs>
-                <a:gs pos="99000">
-                  <a:srgbClr val="C8DFFA"/>
-                </a:gs>
-                <a:gs pos="0">
-                  <a:srgbClr val="2446C8"/>
-                </a:gs>
-              </a:gsLst>
-              <a:lin ang="2700000" scaled="0"/>
-            </a:gradFill>
-            <a:ln>
-              <a:noFill/>
-            </a:ln>
-          </p:spPr>
-          <p:style>
-            <a:lnRef idx="2">
-              <a:schemeClr val="accent1">
-                <a:shade val="50000"/>
-              </a:schemeClr>
-            </a:lnRef>
-            <a:fillRef idx="1">
-              <a:schemeClr val="accent1"/>
-            </a:fillRef>
-            <a:effectRef idx="0">
-              <a:schemeClr val="accent1"/>
-            </a:effectRef>
-            <a:fontRef idx="minor">
-              <a:schemeClr val="lt1"/>
-            </a:fontRef>
-          </p:style>
-          <p:txBody>
-            <a:bodyPr rtlCol="0" anchor="ctr"/>
-            <a:lstStyle/>
-            <a:p>
-              <a:pPr algn="ctr"/>
-              <a:endParaRPr lang="ru-RU"/>
-            </a:p>
-          </p:txBody>
-        </p:sp>
-        <p:sp>
-          <p:nvSpPr>
-            <p:cNvPr id="12" name="Прямоугольный треугольник 11"/>
-            <p:cNvSpPr/>
-            <p:nvPr/>
-          </p:nvSpPr>
-          <p:spPr>
-            <a:xfrm>
-              <a:off x="1638300" y="838199"/>
-              <a:ext cx="1257300" cy="1447801"/>
-            </a:xfrm>
-            <a:prstGeom prst="rtTriangle">
-              <a:avLst/>
-            </a:prstGeom>
-            <a:gradFill>
-              <a:gsLst>
-                <a:gs pos="100000">
-                  <a:srgbClr val="82A0FA"/>
-                </a:gs>
-                <a:gs pos="0">
-                  <a:srgbClr val="C8DFFA"/>
-                </a:gs>
-                <a:gs pos="100000">
-                  <a:srgbClr val="2446C8"/>
-                </a:gs>
-              </a:gsLst>
-              <a:lin ang="2700000" scaled="0"/>
-            </a:gradFill>
-            <a:ln>
-              <a:noFill/>
-            </a:ln>
-          </p:spPr>
-          <p:style>
-            <a:lnRef idx="2">
-              <a:schemeClr val="accent1">
-                <a:shade val="50000"/>
-              </a:schemeClr>
-            </a:lnRef>
-            <a:fillRef idx="1">
-              <a:schemeClr val="accent1"/>
-            </a:fillRef>
-            <a:effectRef idx="0">
-              <a:schemeClr val="accent1"/>
-            </a:effectRef>
-            <a:fontRef idx="minor">
-              <a:schemeClr val="lt1"/>
-            </a:fontRef>
-          </p:style>
-          <p:txBody>
-            <a:bodyPr rtlCol="0" anchor="ctr"/>
-            <a:lstStyle/>
-            <a:p>
-              <a:pPr algn="ctr"/>
-              <a:endParaRPr lang="ru-RU"/>
-            </a:p>
-          </p:txBody>
-        </p:sp>
-        <p:sp>
-          <p:nvSpPr>
-            <p:cNvPr id="13" name="Прямоугольный треугольник 12"/>
-            <p:cNvSpPr/>
-            <p:nvPr/>
-          </p:nvSpPr>
-          <p:spPr>
-            <a:xfrm rot="5340000">
-              <a:off x="1625843" y="4350627"/>
-              <a:ext cx="1434413" cy="1282331"/>
-            </a:xfrm>
-            <a:prstGeom prst="rtTriangle">
-              <a:avLst/>
-            </a:prstGeom>
-            <a:gradFill>
-              <a:gsLst>
-                <a:gs pos="66000">
-                  <a:srgbClr val="82A0FA"/>
-                </a:gs>
-                <a:gs pos="100000">
-                  <a:srgbClr val="C8DFFA"/>
-                </a:gs>
-                <a:gs pos="0">
-                  <a:srgbClr val="2446C8"/>
-                </a:gs>
-              </a:gsLst>
-              <a:lin ang="8100000" scaled="0"/>
-            </a:gradFill>
-            <a:ln>
-              <a:noFill/>
-            </a:ln>
-          </p:spPr>
-          <p:style>
-            <a:lnRef idx="2">
-              <a:schemeClr val="accent1">
-                <a:shade val="50000"/>
-              </a:schemeClr>
-            </a:lnRef>
-            <a:fillRef idx="1">
-              <a:schemeClr val="accent1"/>
-            </a:fillRef>
-            <a:effectRef idx="0">
-              <a:schemeClr val="accent1"/>
-            </a:effectRef>
-            <a:fontRef idx="minor">
-              <a:schemeClr val="lt1"/>
-            </a:fontRef>
-          </p:style>
-          <p:txBody>
-            <a:bodyPr rtlCol="0" anchor="ctr"/>
-            <a:lstStyle/>
-            <a:p>
-              <a:pPr algn="ctr"/>
-              <a:endParaRPr lang="ru-RU"/>
-            </a:p>
-          </p:txBody>
-        </p:sp>
-      </p:grpSp>
-      <p:sp>
-        <p:nvSpPr>
-          <p:cNvPr id="6" name="TextBox 5"/>
-          <p:cNvSpPr txBox="1"/>
-          <p:nvPr/>
-        </p:nvSpPr>
+        </p:nvPicPr>
+        <p:blipFill>
+          <a:blip r:embed="rId2"/>
+          <a:srcRect l="2560" t="2222" r="9096" b="7778"/>
+          <a:stretch>
+            <a:fillRect/>
+          </a:stretch>
+        </p:blipFill>
         <p:spPr>
           <a:xfrm>
-            <a:off x="5308739" y="437227"/>
-            <a:ext cx="6779100" cy="2554545"/>
+            <a:off x="1371600" y="457200"/>
+            <a:ext cx="5257800" cy="6172200"/>
           </a:xfrm>
           <a:prstGeom prst="rect">
             <a:avLst/>
           </a:prstGeom>
-          <a:noFill/>
         </p:spPr>
-        <p:txBody>
-          <a:bodyPr wrap="none" lIns="0" tIns="0" rIns="0" bIns="0" rtlCol="0">
-            <a:spAutoFit/>
-          </a:bodyPr>
-          <a:lstStyle/>
-          <a:p>
-            <a:r>
-              <a:rPr lang="en-US" sz="16600" dirty="0" smtClean="0">
-                <a:solidFill>
-                  <a:schemeClr val="bg1">
-                    <a:lumMod val="95000"/>
-                  </a:schemeClr>
-                </a:solidFill>
-              </a:rPr>
-              <a:t>CENTER</a:t>
-            </a:r>
-          </a:p>
-        </p:txBody>
-      </p:sp>
-      <p:sp>
-        <p:nvSpPr>
-          <p:cNvPr id="7" name="TextBox 6"/>
-          <p:cNvSpPr txBox="1"/>
+      </p:pic>
+      <p:sp>
+        <p:nvSpPr>
+          <p:cNvPr id="6" name="Oval 5">
+            <a:extLst>
+              <a:ext uri="{FF2B5EF4-FFF2-40B4-BE49-F238E27FC236}">
+                <a16:creationId xmlns:a16="http://schemas.microsoft.com/office/drawing/2014/main" id="{A3D3EEDC-DACB-01CA-EAC1-2A7F9F6185D0}"/>
+              </a:ext>
+            </a:extLst>
+          </p:cNvPr>
+          <p:cNvSpPr/>
           <p:nvPr/>
         </p:nvSpPr>
         <p:spPr>
           <a:xfrm>
-            <a:off x="5219599" y="2149880"/>
-            <a:ext cx="3523913" cy="2554545"/>
+            <a:off x="1371600" y="457200"/>
+            <a:ext cx="5867400" cy="5943600"/>
           </a:xfrm>
-          <a:prstGeom prst="rect">
+          <a:prstGeom prst="ellipse">
             <a:avLst/>
           </a:prstGeom>
           <a:noFill/>
         </p:spPr>
-        <p:txBody>
-          <a:bodyPr wrap="none" lIns="0" tIns="0" rIns="0" bIns="0" rtlCol="0">
-            <a:spAutoFit/>
-          </a:bodyPr>
-          <a:lstStyle/>
-          <a:p>
-            <a:r>
-              <a:rPr lang="en-US" sz="16600" dirty="0">
-                <a:solidFill>
-                  <a:schemeClr val="bg1">
-                    <a:lumMod val="95000"/>
-                  </a:schemeClr>
-                </a:solidFill>
-              </a:rPr>
-              <a:t>FOR</a:t>
-            </a:r>
-          </a:p>
-        </p:txBody>
-      </p:sp>
-      <p:sp>
-        <p:nvSpPr>
-          <p:cNvPr id="8" name="TextBox 7"/>
-          <p:cNvSpPr txBox="1"/>
-          <p:nvPr/>
-        </p:nvSpPr>
-        <p:spPr>
-          <a:xfrm>
-            <a:off x="5219599" y="3866920"/>
-            <a:ext cx="21602837" cy="2554545"/>
-          </a:xfrm>
-          <a:prstGeom prst="rect">
-            <a:avLst/>
-          </a:prstGeom>
-          <a:noFill/>
-        </p:spPr>
-        <p:txBody>
-          <a:bodyPr wrap="none" lIns="0" tIns="0" rIns="0" bIns="0" rtlCol="0">
-            <a:spAutoFit/>
-          </a:bodyPr>
-          <a:lstStyle/>
-          <a:p>
-            <a:r>
-              <a:rPr lang="en-US" sz="16600" dirty="0" smtClean="0">
-                <a:solidFill>
-                  <a:schemeClr val="bg1">
-                    <a:lumMod val="95000"/>
-                  </a:schemeClr>
-                </a:solidFill>
-              </a:rPr>
-              <a:t>ENTREPRENEURSHIP TM </a:t>
-            </a:r>
-            <a:endParaRPr lang="en-US" sz="16600" dirty="0">
-              <a:solidFill>
-                <a:schemeClr val="bg1">
-                  <a:lumMod val="95000"/>
-                </a:schemeClr>
-              </a:solidFill>
-            </a:endParaRPr>
+        <p:style>
+          <a:lnRef idx="2">
+            <a:schemeClr val="accent1">
+              <a:shade val="15000"/>
+            </a:schemeClr>
+          </a:lnRef>
+          <a:fillRef idx="1">
+            <a:schemeClr val="accent1"/>
+          </a:fillRef>
+          <a:effectRef idx="0">
+            <a:schemeClr val="accent1"/>
+          </a:effectRef>
+          <a:fontRef idx="minor">
+            <a:schemeClr val="lt1"/>
+          </a:fontRef>
+        </p:style>
+        <p:txBody>
+          <a:bodyPr rtlCol="0" anchor="ctr"/>
+          <a:lstStyle/>
+          <a:p>
+            <a:pPr algn="ctr"/>
+            <a:endParaRPr lang="en-US"/>
           </a:p>
         </p:txBody>
       </p:sp>
     </p:spTree>
     <p:extLst>
       <p:ext uri="{BB962C8B-B14F-4D97-AF65-F5344CB8AC3E}">
-        <p14:creationId xmlns:p14="http://schemas.microsoft.com/office/powerpoint/2010/main" val="250044620"/>
+        <p14:creationId xmlns:p14="http://schemas.microsoft.com/office/powerpoint/2010/main" val="2716674199"/>
       </p:ext>
     </p:extLst>
   </p:cSld>
@@ -3859,6 +3515,447 @@
         </p:nvSpPr>
         <p:spPr>
           <a:xfrm>
+            <a:off x="5308739" y="437227"/>
+            <a:ext cx="6779100" cy="2554545"/>
+          </a:xfrm>
+          <a:prstGeom prst="rect">
+            <a:avLst/>
+          </a:prstGeom>
+          <a:noFill/>
+        </p:spPr>
+        <p:txBody>
+          <a:bodyPr wrap="none" lIns="0" tIns="0" rIns="0" bIns="0" rtlCol="0">
+            <a:spAutoFit/>
+          </a:bodyPr>
+          <a:lstStyle/>
+          <a:p>
+            <a:r>
+              <a:rPr lang="en-US" sz="16600" dirty="0">
+                <a:solidFill>
+                  <a:schemeClr val="bg1">
+                    <a:lumMod val="95000"/>
+                  </a:schemeClr>
+                </a:solidFill>
+              </a:rPr>
+              <a:t>CENTER</a:t>
+            </a:r>
+          </a:p>
+        </p:txBody>
+      </p:sp>
+      <p:sp>
+        <p:nvSpPr>
+          <p:cNvPr id="7" name="TextBox 6"/>
+          <p:cNvSpPr txBox="1"/>
+          <p:nvPr/>
+        </p:nvSpPr>
+        <p:spPr>
+          <a:xfrm>
+            <a:off x="5219599" y="2149880"/>
+            <a:ext cx="3523913" cy="2554545"/>
+          </a:xfrm>
+          <a:prstGeom prst="rect">
+            <a:avLst/>
+          </a:prstGeom>
+          <a:noFill/>
+        </p:spPr>
+        <p:txBody>
+          <a:bodyPr wrap="none" lIns="0" tIns="0" rIns="0" bIns="0" rtlCol="0">
+            <a:spAutoFit/>
+          </a:bodyPr>
+          <a:lstStyle/>
+          <a:p>
+            <a:r>
+              <a:rPr lang="en-US" sz="16600" dirty="0">
+                <a:solidFill>
+                  <a:schemeClr val="bg1">
+                    <a:lumMod val="95000"/>
+                  </a:schemeClr>
+                </a:solidFill>
+              </a:rPr>
+              <a:t>FOR</a:t>
+            </a:r>
+          </a:p>
+        </p:txBody>
+      </p:sp>
+      <p:sp>
+        <p:nvSpPr>
+          <p:cNvPr id="8" name="TextBox 7"/>
+          <p:cNvSpPr txBox="1"/>
+          <p:nvPr/>
+        </p:nvSpPr>
+        <p:spPr>
+          <a:xfrm>
+            <a:off x="5219599" y="3866920"/>
+            <a:ext cx="21602837" cy="2554545"/>
+          </a:xfrm>
+          <a:prstGeom prst="rect">
+            <a:avLst/>
+          </a:prstGeom>
+          <a:noFill/>
+        </p:spPr>
+        <p:txBody>
+          <a:bodyPr wrap="none" lIns="0" tIns="0" rIns="0" bIns="0" rtlCol="0">
+            <a:spAutoFit/>
+          </a:bodyPr>
+          <a:lstStyle/>
+          <a:p>
+            <a:r>
+              <a:rPr lang="en-US" sz="16600" dirty="0">
+                <a:solidFill>
+                  <a:schemeClr val="bg1">
+                    <a:lumMod val="95000"/>
+                  </a:schemeClr>
+                </a:solidFill>
+              </a:rPr>
+              <a:t>ENTREPRENEURSHIP TM </a:t>
+            </a:r>
+          </a:p>
+        </p:txBody>
+      </p:sp>
+    </p:spTree>
+    <p:extLst>
+      <p:ext uri="{BB962C8B-B14F-4D97-AF65-F5344CB8AC3E}">
+        <p14:creationId xmlns:p14="http://schemas.microsoft.com/office/powerpoint/2010/main" val="250044620"/>
+      </p:ext>
+    </p:extLst>
+  </p:cSld>
+  <p:clrMapOvr>
+    <a:masterClrMapping/>
+  </p:clrMapOvr>
+</p:sld>
+</file>
+
+<file path=ppt/slides/slide3.xml><?xml version="1.0" encoding="utf-8"?>
+<p:sld xmlns:a="http://schemas.openxmlformats.org/drawingml/2006/main" xmlns:r="http://schemas.openxmlformats.org/officeDocument/2006/relationships" xmlns:p="http://schemas.openxmlformats.org/presentationml/2006/main">
+  <p:cSld>
+    <p:spTree>
+      <p:nvGrpSpPr>
+        <p:cNvPr id="1" name=""/>
+        <p:cNvGrpSpPr/>
+        <p:nvPr/>
+      </p:nvGrpSpPr>
+      <p:grpSpPr>
+        <a:xfrm>
+          <a:off x="0" y="0"/>
+          <a:ext cx="0" cy="0"/>
+          <a:chOff x="0" y="0"/>
+          <a:chExt cx="0" cy="0"/>
+        </a:xfrm>
+      </p:grpSpPr>
+      <p:grpSp>
+        <p:nvGrpSpPr>
+          <p:cNvPr id="5" name="Группа 4"/>
+          <p:cNvGrpSpPr/>
+          <p:nvPr/>
+        </p:nvGrpSpPr>
+        <p:grpSpPr>
+          <a:xfrm>
+            <a:off x="209449" y="990600"/>
+            <a:ext cx="4267200" cy="4881881"/>
+            <a:chOff x="1638300" y="838199"/>
+            <a:chExt cx="4267200" cy="4881881"/>
+          </a:xfrm>
+        </p:grpSpPr>
+        <p:sp>
+          <p:nvSpPr>
+            <p:cNvPr id="9" name="Пятиугольник 8"/>
+            <p:cNvSpPr/>
+            <p:nvPr/>
+          </p:nvSpPr>
+          <p:spPr>
+            <a:xfrm>
+              <a:off x="1670050" y="2514600"/>
+              <a:ext cx="2120900" cy="1520305"/>
+            </a:xfrm>
+            <a:prstGeom prst="homePlate">
+              <a:avLst>
+                <a:gd name="adj" fmla="val 44607"/>
+              </a:avLst>
+            </a:prstGeom>
+            <a:gradFill>
+              <a:gsLst>
+                <a:gs pos="39000">
+                  <a:srgbClr val="82A0FA"/>
+                </a:gs>
+                <a:gs pos="0">
+                  <a:srgbClr val="C8DFFA"/>
+                </a:gs>
+                <a:gs pos="100000">
+                  <a:srgbClr val="2446C8"/>
+                </a:gs>
+              </a:gsLst>
+              <a:lin ang="2700000" scaled="0"/>
+            </a:gradFill>
+            <a:ln>
+              <a:noFill/>
+            </a:ln>
+          </p:spPr>
+          <p:style>
+            <a:lnRef idx="2">
+              <a:schemeClr val="accent1">
+                <a:shade val="50000"/>
+              </a:schemeClr>
+            </a:lnRef>
+            <a:fillRef idx="1">
+              <a:schemeClr val="accent1"/>
+            </a:fillRef>
+            <a:effectRef idx="0">
+              <a:schemeClr val="accent1"/>
+            </a:effectRef>
+            <a:fontRef idx="minor">
+              <a:schemeClr val="lt1"/>
+            </a:fontRef>
+          </p:style>
+          <p:txBody>
+            <a:bodyPr rtlCol="0" anchor="ctr"/>
+            <a:lstStyle/>
+            <a:p>
+              <a:pPr algn="ctr"/>
+              <a:endParaRPr lang="ru-RU"/>
+            </a:p>
+          </p:txBody>
+        </p:sp>
+        <p:sp>
+          <p:nvSpPr>
+            <p:cNvPr id="10" name="Трапеция 9"/>
+            <p:cNvSpPr/>
+            <p:nvPr/>
+          </p:nvSpPr>
+          <p:spPr>
+            <a:xfrm rot="10800000">
+              <a:off x="1638300" y="838199"/>
+              <a:ext cx="4191000" cy="1447801"/>
+            </a:xfrm>
+            <a:prstGeom prst="trapezoid">
+              <a:avLst>
+                <a:gd name="adj" fmla="val 82332"/>
+              </a:avLst>
+            </a:prstGeom>
+            <a:gradFill>
+              <a:gsLst>
+                <a:gs pos="38000">
+                  <a:srgbClr val="82A0FA"/>
+                </a:gs>
+                <a:gs pos="0">
+                  <a:srgbClr val="C8DFFA"/>
+                </a:gs>
+                <a:gs pos="100000">
+                  <a:srgbClr val="2446C8"/>
+                </a:gs>
+              </a:gsLst>
+              <a:lin ang="2700000" scaled="0"/>
+            </a:gradFill>
+            <a:ln>
+              <a:noFill/>
+            </a:ln>
+          </p:spPr>
+          <p:style>
+            <a:lnRef idx="2">
+              <a:schemeClr val="accent1">
+                <a:shade val="50000"/>
+              </a:schemeClr>
+            </a:lnRef>
+            <a:fillRef idx="1">
+              <a:schemeClr val="accent1"/>
+            </a:fillRef>
+            <a:effectRef idx="0">
+              <a:schemeClr val="accent1"/>
+            </a:effectRef>
+            <a:fontRef idx="minor">
+              <a:schemeClr val="lt1"/>
+            </a:fontRef>
+          </p:style>
+          <p:txBody>
+            <a:bodyPr rtlCol="0" anchor="ctr"/>
+            <a:lstStyle/>
+            <a:p>
+              <a:pPr algn="ctr"/>
+              <a:endParaRPr lang="ru-RU"/>
+            </a:p>
+          </p:txBody>
+        </p:sp>
+        <p:sp>
+          <p:nvSpPr>
+            <p:cNvPr id="11" name="Трапеция 10"/>
+            <p:cNvSpPr/>
+            <p:nvPr/>
+          </p:nvSpPr>
+          <p:spPr>
+            <a:xfrm>
+              <a:off x="1714500" y="4263505"/>
+              <a:ext cx="4191000" cy="1456575"/>
+            </a:xfrm>
+            <a:prstGeom prst="trapezoid">
+              <a:avLst>
+                <a:gd name="adj" fmla="val 84947"/>
+              </a:avLst>
+            </a:prstGeom>
+            <a:gradFill>
+              <a:gsLst>
+                <a:gs pos="69000">
+                  <a:srgbClr val="82A0FA"/>
+                </a:gs>
+                <a:gs pos="99000">
+                  <a:srgbClr val="C8DFFA"/>
+                </a:gs>
+                <a:gs pos="0">
+                  <a:srgbClr val="2446C8"/>
+                </a:gs>
+              </a:gsLst>
+              <a:lin ang="2700000" scaled="0"/>
+            </a:gradFill>
+            <a:ln>
+              <a:noFill/>
+            </a:ln>
+          </p:spPr>
+          <p:style>
+            <a:lnRef idx="2">
+              <a:schemeClr val="accent1">
+                <a:shade val="50000"/>
+              </a:schemeClr>
+            </a:lnRef>
+            <a:fillRef idx="1">
+              <a:schemeClr val="accent1"/>
+            </a:fillRef>
+            <a:effectRef idx="0">
+              <a:schemeClr val="accent1"/>
+            </a:effectRef>
+            <a:fontRef idx="minor">
+              <a:schemeClr val="lt1"/>
+            </a:fontRef>
+          </p:style>
+          <p:txBody>
+            <a:bodyPr rtlCol="0" anchor="ctr"/>
+            <a:lstStyle/>
+            <a:p>
+              <a:pPr algn="ctr"/>
+              <a:endParaRPr lang="ru-RU"/>
+            </a:p>
+          </p:txBody>
+        </p:sp>
+        <p:sp>
+          <p:nvSpPr>
+            <p:cNvPr id="12" name="Прямоугольный треугольник 11"/>
+            <p:cNvSpPr/>
+            <p:nvPr/>
+          </p:nvSpPr>
+          <p:spPr>
+            <a:xfrm>
+              <a:off x="1638300" y="838199"/>
+              <a:ext cx="1257300" cy="1447801"/>
+            </a:xfrm>
+            <a:prstGeom prst="rtTriangle">
+              <a:avLst/>
+            </a:prstGeom>
+            <a:gradFill>
+              <a:gsLst>
+                <a:gs pos="100000">
+                  <a:srgbClr val="82A0FA"/>
+                </a:gs>
+                <a:gs pos="0">
+                  <a:srgbClr val="C8DFFA"/>
+                </a:gs>
+                <a:gs pos="100000">
+                  <a:srgbClr val="2446C8"/>
+                </a:gs>
+              </a:gsLst>
+              <a:lin ang="2700000" scaled="0"/>
+            </a:gradFill>
+            <a:ln>
+              <a:noFill/>
+            </a:ln>
+          </p:spPr>
+          <p:style>
+            <a:lnRef idx="2">
+              <a:schemeClr val="accent1">
+                <a:shade val="50000"/>
+              </a:schemeClr>
+            </a:lnRef>
+            <a:fillRef idx="1">
+              <a:schemeClr val="accent1"/>
+            </a:fillRef>
+            <a:effectRef idx="0">
+              <a:schemeClr val="accent1"/>
+            </a:effectRef>
+            <a:fontRef idx="minor">
+              <a:schemeClr val="lt1"/>
+            </a:fontRef>
+          </p:style>
+          <p:txBody>
+            <a:bodyPr rtlCol="0" anchor="ctr"/>
+            <a:lstStyle/>
+            <a:p>
+              <a:pPr algn="ctr"/>
+              <a:endParaRPr lang="ru-RU"/>
+            </a:p>
+          </p:txBody>
+        </p:sp>
+        <p:sp>
+          <p:nvSpPr>
+            <p:cNvPr id="13" name="Прямоугольный треугольник 12"/>
+            <p:cNvSpPr/>
+            <p:nvPr/>
+          </p:nvSpPr>
+          <p:spPr>
+            <a:xfrm rot="5340000">
+              <a:off x="1625843" y="4350627"/>
+              <a:ext cx="1434413" cy="1282331"/>
+            </a:xfrm>
+            <a:prstGeom prst="rtTriangle">
+              <a:avLst/>
+            </a:prstGeom>
+            <a:gradFill>
+              <a:gsLst>
+                <a:gs pos="66000">
+                  <a:srgbClr val="82A0FA"/>
+                </a:gs>
+                <a:gs pos="100000">
+                  <a:srgbClr val="C8DFFA"/>
+                </a:gs>
+                <a:gs pos="0">
+                  <a:srgbClr val="2446C8"/>
+                </a:gs>
+              </a:gsLst>
+              <a:lin ang="8100000" scaled="0"/>
+            </a:gradFill>
+            <a:ln>
+              <a:noFill/>
+            </a:ln>
+          </p:spPr>
+          <p:style>
+            <a:lnRef idx="2">
+              <a:schemeClr val="accent1">
+                <a:shade val="50000"/>
+              </a:schemeClr>
+            </a:lnRef>
+            <a:fillRef idx="1">
+              <a:schemeClr val="accent1"/>
+            </a:fillRef>
+            <a:effectRef idx="0">
+              <a:schemeClr val="accent1"/>
+            </a:effectRef>
+            <a:fontRef idx="minor">
+              <a:schemeClr val="lt1"/>
+            </a:fontRef>
+          </p:style>
+          <p:txBody>
+            <a:bodyPr rtlCol="0" anchor="ctr"/>
+            <a:lstStyle/>
+            <a:p>
+              <a:pPr algn="ctr"/>
+              <a:endParaRPr lang="ru-RU"/>
+            </a:p>
+          </p:txBody>
+        </p:sp>
+      </p:grpSp>
+      <p:sp>
+        <p:nvSpPr>
+          <p:cNvPr id="6" name="TextBox 5"/>
+          <p:cNvSpPr txBox="1"/>
+          <p:nvPr/>
+        </p:nvSpPr>
+        <p:spPr>
+          <a:xfrm>
             <a:off x="4946172" y="560338"/>
             <a:ext cx="6962355" cy="2308324"/>
           </a:xfrm>
@@ -3874,7 +3971,7 @@
           <a:lstStyle/>
           <a:p>
             <a:r>
-              <a:rPr lang="en-US" sz="15000" dirty="0" smtClean="0">
+              <a:rPr lang="en-US" sz="15000" dirty="0">
                 <a:solidFill>
                   <a:schemeClr val="bg1">
                     <a:lumMod val="50000"/>
@@ -3909,7 +4006,7 @@
           <a:lstStyle/>
           <a:p>
             <a:r>
-              <a:rPr lang="en-US" sz="30000" kern="2000" spc="-2000" dirty="0" smtClean="0">
+              <a:rPr lang="en-US" sz="30000" kern="2000" spc="-2000" dirty="0">
                 <a:solidFill>
                   <a:schemeClr val="bg1">
                     <a:lumMod val="50000"/>
@@ -3918,13 +4015,6 @@
               </a:rPr>
               <a:t>CLUB</a:t>
             </a:r>
-            <a:endParaRPr lang="en-US" sz="30000" kern="2000" spc="-2000" dirty="0">
-              <a:solidFill>
-                <a:schemeClr val="bg1">
-                  <a:lumMod val="50000"/>
-                </a:schemeClr>
-              </a:solidFill>
-            </a:endParaRPr>
           </a:p>
         </p:txBody>
       </p:sp>
@@ -3941,7 +4031,7 @@
 </p:sld>
 </file>
 
-<file path=ppt/slides/slide3.xml><?xml version="1.0" encoding="utf-8"?>
+<file path=ppt/slides/slide4.xml><?xml version="1.0" encoding="utf-8"?>
 <p:sld xmlns:a="http://schemas.openxmlformats.org/drawingml/2006/main" xmlns:r="http://schemas.openxmlformats.org/officeDocument/2006/relationships" xmlns:p="http://schemas.openxmlformats.org/presentationml/2006/main">
   <p:cSld>
     <p:spTree>
